--- a/(宣道詩2)聖哉三一.pptx
+++ b/(宣道詩2)聖哉三一.pptx
@@ -6,15 +6,11 @@
   </p:sldMasterIdLst>
   <p:sldIdLst>
     <p:sldId id="256" r:id="rId2"/>
-    <p:sldId id="257" r:id="rId3"/>
-    <p:sldId id="258" r:id="rId4"/>
-    <p:sldId id="259" r:id="rId5"/>
-    <p:sldId id="260" r:id="rId6"/>
-    <p:sldId id="261" r:id="rId7"/>
-    <p:sldId id="262" r:id="rId8"/>
-    <p:sldId id="263" r:id="rId9"/>
+    <p:sldId id="258" r:id="rId3"/>
+    <p:sldId id="260" r:id="rId4"/>
+    <p:sldId id="262" r:id="rId5"/>
   </p:sldIdLst>
-  <p:sldSz cx="9144000" cy="6858000" type="screen4x3"/>
+  <p:sldSz cx="9144000" cy="5143500" type="screen16x9"/>
   <p:notesSz cx="6858000" cy="9144000"/>
   <p:defaultTextStyle>
     <a:defPPr>
@@ -143,8 +139,8 @@
         </p:nvSpPr>
         <p:spPr>
           <a:xfrm>
-            <a:off x="685800" y="2130425"/>
-            <a:ext cx="7772400" cy="1470025"/>
+            <a:off x="685800" y="1597819"/>
+            <a:ext cx="7772400" cy="1102519"/>
           </a:xfrm>
         </p:spPr>
         <p:txBody>
@@ -171,8 +167,8 @@
         </p:nvSpPr>
         <p:spPr>
           <a:xfrm>
-            <a:off x="1371600" y="3886200"/>
-            <a:ext cx="6400800" cy="1752600"/>
+            <a:off x="1371600" y="2914650"/>
+            <a:ext cx="6400800" cy="1314450"/>
           </a:xfrm>
         </p:spPr>
         <p:txBody>
@@ -296,7 +292,7 @@
             <a:fld id="{4A963B18-8CE0-498D-8805-C7189D3CCDF2}" type="datetimeFigureOut">
               <a:rPr lang="zh-TW" altLang="en-US" smtClean="0"/>
               <a:pPr/>
-              <a:t>2018/8/4</a:t>
+              <a:t>2019/8/31</a:t>
             </a:fld>
             <a:endParaRPr lang="zh-TW" altLang="en-US"/>
           </a:p>
@@ -463,7 +459,7 @@
             <a:fld id="{4A963B18-8CE0-498D-8805-C7189D3CCDF2}" type="datetimeFigureOut">
               <a:rPr lang="zh-TW" altLang="en-US" smtClean="0"/>
               <a:pPr/>
-              <a:t>2018/8/4</a:t>
+              <a:t>2019/8/31</a:t>
             </a:fld>
             <a:endParaRPr lang="zh-TW" altLang="en-US"/>
           </a:p>
@@ -549,8 +545,8 @@
         </p:nvSpPr>
         <p:spPr>
           <a:xfrm>
-            <a:off x="6629400" y="274638"/>
-            <a:ext cx="2057400" cy="5851525"/>
+            <a:off x="6629400" y="205979"/>
+            <a:ext cx="2057400" cy="4388644"/>
           </a:xfrm>
         </p:spPr>
         <p:txBody>
@@ -577,8 +573,8 @@
         </p:nvSpPr>
         <p:spPr>
           <a:xfrm>
-            <a:off x="457200" y="274638"/>
-            <a:ext cx="6019800" cy="5851525"/>
+            <a:off x="457200" y="205979"/>
+            <a:ext cx="6019800" cy="4388644"/>
           </a:xfrm>
         </p:spPr>
         <p:txBody>
@@ -640,7 +636,7 @@
             <a:fld id="{4A963B18-8CE0-498D-8805-C7189D3CCDF2}" type="datetimeFigureOut">
               <a:rPr lang="zh-TW" altLang="en-US" smtClean="0"/>
               <a:pPr/>
-              <a:t>2018/8/4</a:t>
+              <a:t>2019/8/31</a:t>
             </a:fld>
             <a:endParaRPr lang="zh-TW" altLang="en-US"/>
           </a:p>
@@ -807,7 +803,7 @@
             <a:fld id="{4A963B18-8CE0-498D-8805-C7189D3CCDF2}" type="datetimeFigureOut">
               <a:rPr lang="zh-TW" altLang="en-US" smtClean="0"/>
               <a:pPr/>
-              <a:t>2018/8/4</a:t>
+              <a:t>2019/8/31</a:t>
             </a:fld>
             <a:endParaRPr lang="zh-TW" altLang="en-US"/>
           </a:p>
@@ -893,8 +889,8 @@
         </p:nvSpPr>
         <p:spPr>
           <a:xfrm>
-            <a:off x="722313" y="4406900"/>
-            <a:ext cx="7772400" cy="1362075"/>
+            <a:off x="722313" y="3305176"/>
+            <a:ext cx="7772400" cy="1021556"/>
           </a:xfrm>
         </p:spPr>
         <p:txBody>
@@ -925,8 +921,8 @@
         </p:nvSpPr>
         <p:spPr>
           <a:xfrm>
-            <a:off x="722313" y="2906713"/>
-            <a:ext cx="7772400" cy="1500187"/>
+            <a:off x="722313" y="2180035"/>
+            <a:ext cx="7772400" cy="1125140"/>
           </a:xfrm>
         </p:spPr>
         <p:txBody>
@@ -1050,7 +1046,7 @@
             <a:fld id="{4A963B18-8CE0-498D-8805-C7189D3CCDF2}" type="datetimeFigureOut">
               <a:rPr lang="zh-TW" altLang="en-US" smtClean="0"/>
               <a:pPr/>
-              <a:t>2018/8/4</a:t>
+              <a:t>2019/8/31</a:t>
             </a:fld>
             <a:endParaRPr lang="zh-TW" altLang="en-US"/>
           </a:p>
@@ -1159,8 +1155,8 @@
         </p:nvSpPr>
         <p:spPr>
           <a:xfrm>
-            <a:off x="457200" y="1600200"/>
-            <a:ext cx="4038600" cy="4525963"/>
+            <a:off x="457200" y="1200151"/>
+            <a:ext cx="4038600" cy="3394472"/>
           </a:xfrm>
         </p:spPr>
         <p:txBody>
@@ -1244,8 +1240,8 @@
         </p:nvSpPr>
         <p:spPr>
           <a:xfrm>
-            <a:off x="4648200" y="1600200"/>
-            <a:ext cx="4038600" cy="4525963"/>
+            <a:off x="4648200" y="1200151"/>
+            <a:ext cx="4038600" cy="3394472"/>
           </a:xfrm>
         </p:spPr>
         <p:txBody>
@@ -1335,7 +1331,7 @@
             <a:fld id="{4A963B18-8CE0-498D-8805-C7189D3CCDF2}" type="datetimeFigureOut">
               <a:rPr lang="zh-TW" altLang="en-US" smtClean="0"/>
               <a:pPr/>
-              <a:t>2018/8/4</a:t>
+              <a:t>2019/8/31</a:t>
             </a:fld>
             <a:endParaRPr lang="zh-TW" altLang="en-US"/>
           </a:p>
@@ -1448,8 +1444,8 @@
         </p:nvSpPr>
         <p:spPr>
           <a:xfrm>
-            <a:off x="457200" y="1535113"/>
-            <a:ext cx="4040188" cy="639762"/>
+            <a:off x="457200" y="1151335"/>
+            <a:ext cx="4040188" cy="479822"/>
           </a:xfrm>
         </p:spPr>
         <p:txBody>
@@ -1513,8 +1509,8 @@
         </p:nvSpPr>
         <p:spPr>
           <a:xfrm>
-            <a:off x="457200" y="2174875"/>
-            <a:ext cx="4040188" cy="3951288"/>
+            <a:off x="457200" y="1631156"/>
+            <a:ext cx="4040188" cy="2963466"/>
           </a:xfrm>
         </p:spPr>
         <p:txBody>
@@ -1598,8 +1594,8 @@
         </p:nvSpPr>
         <p:spPr>
           <a:xfrm>
-            <a:off x="4645025" y="1535113"/>
-            <a:ext cx="4041775" cy="639762"/>
+            <a:off x="4645026" y="1151335"/>
+            <a:ext cx="4041775" cy="479822"/>
           </a:xfrm>
         </p:spPr>
         <p:txBody>
@@ -1663,8 +1659,8 @@
         </p:nvSpPr>
         <p:spPr>
           <a:xfrm>
-            <a:off x="4645025" y="2174875"/>
-            <a:ext cx="4041775" cy="3951288"/>
+            <a:off x="4645026" y="1631156"/>
+            <a:ext cx="4041775" cy="2963466"/>
           </a:xfrm>
         </p:spPr>
         <p:txBody>
@@ -1754,7 +1750,7 @@
             <a:fld id="{4A963B18-8CE0-498D-8805-C7189D3CCDF2}" type="datetimeFigureOut">
               <a:rPr lang="zh-TW" altLang="en-US" smtClean="0"/>
               <a:pPr/>
-              <a:t>2018/8/4</a:t>
+              <a:t>2019/8/31</a:t>
             </a:fld>
             <a:endParaRPr lang="zh-TW" altLang="en-US"/>
           </a:p>
@@ -1869,7 +1865,7 @@
             <a:fld id="{4A963B18-8CE0-498D-8805-C7189D3CCDF2}" type="datetimeFigureOut">
               <a:rPr lang="zh-TW" altLang="en-US" smtClean="0"/>
               <a:pPr/>
-              <a:t>2018/8/4</a:t>
+              <a:t>2019/8/31</a:t>
             </a:fld>
             <a:endParaRPr lang="zh-TW" altLang="en-US"/>
           </a:p>
@@ -1961,7 +1957,7 @@
             <a:fld id="{4A963B18-8CE0-498D-8805-C7189D3CCDF2}" type="datetimeFigureOut">
               <a:rPr lang="zh-TW" altLang="en-US" smtClean="0"/>
               <a:pPr/>
-              <a:t>2018/8/4</a:t>
+              <a:t>2019/8/31</a:t>
             </a:fld>
             <a:endParaRPr lang="zh-TW" altLang="en-US"/>
           </a:p>
@@ -2047,8 +2043,8 @@
         </p:nvSpPr>
         <p:spPr>
           <a:xfrm>
-            <a:off x="457200" y="273050"/>
-            <a:ext cx="3008313" cy="1162050"/>
+            <a:off x="457201" y="204787"/>
+            <a:ext cx="3008313" cy="871538"/>
           </a:xfrm>
         </p:spPr>
         <p:txBody>
@@ -2079,8 +2075,8 @@
         </p:nvSpPr>
         <p:spPr>
           <a:xfrm>
-            <a:off x="3575050" y="273050"/>
-            <a:ext cx="5111750" cy="5853113"/>
+            <a:off x="3575050" y="204788"/>
+            <a:ext cx="5111750" cy="4389835"/>
           </a:xfrm>
         </p:spPr>
         <p:txBody>
@@ -2164,8 +2160,8 @@
         </p:nvSpPr>
         <p:spPr>
           <a:xfrm>
-            <a:off x="457200" y="1435100"/>
-            <a:ext cx="3008313" cy="4691063"/>
+            <a:off x="457201" y="1076326"/>
+            <a:ext cx="3008313" cy="3518297"/>
           </a:xfrm>
         </p:spPr>
         <p:txBody>
@@ -2235,7 +2231,7 @@
             <a:fld id="{4A963B18-8CE0-498D-8805-C7189D3CCDF2}" type="datetimeFigureOut">
               <a:rPr lang="zh-TW" altLang="en-US" smtClean="0"/>
               <a:pPr/>
-              <a:t>2018/8/4</a:t>
+              <a:t>2019/8/31</a:t>
             </a:fld>
             <a:endParaRPr lang="zh-TW" altLang="en-US"/>
           </a:p>
@@ -2321,8 +2317,8 @@
         </p:nvSpPr>
         <p:spPr>
           <a:xfrm>
-            <a:off x="1792288" y="4800600"/>
-            <a:ext cx="5486400" cy="566738"/>
+            <a:off x="1792288" y="3600450"/>
+            <a:ext cx="5486400" cy="425054"/>
           </a:xfrm>
         </p:spPr>
         <p:txBody>
@@ -2353,8 +2349,8 @@
         </p:nvSpPr>
         <p:spPr>
           <a:xfrm>
-            <a:off x="1792288" y="612775"/>
-            <a:ext cx="5486400" cy="4114800"/>
+            <a:off x="1792288" y="459581"/>
+            <a:ext cx="5486400" cy="3086100"/>
           </a:xfrm>
         </p:spPr>
         <p:txBody>
@@ -2418,8 +2414,8 @@
         </p:nvSpPr>
         <p:spPr>
           <a:xfrm>
-            <a:off x="1792288" y="5367338"/>
-            <a:ext cx="5486400" cy="804862"/>
+            <a:off x="1792288" y="4025503"/>
+            <a:ext cx="5486400" cy="603647"/>
           </a:xfrm>
         </p:spPr>
         <p:txBody>
@@ -2489,7 +2485,7 @@
             <a:fld id="{4A963B18-8CE0-498D-8805-C7189D3CCDF2}" type="datetimeFigureOut">
               <a:rPr lang="zh-TW" altLang="en-US" smtClean="0"/>
               <a:pPr/>
-              <a:t>2018/8/4</a:t>
+              <a:t>2019/8/31</a:t>
             </a:fld>
             <a:endParaRPr lang="zh-TW" altLang="en-US"/>
           </a:p>
@@ -2585,8 +2581,8 @@
         </p:nvSpPr>
         <p:spPr>
           <a:xfrm>
-            <a:off x="457200" y="274638"/>
-            <a:ext cx="8229600" cy="1143000"/>
+            <a:off x="457200" y="205979"/>
+            <a:ext cx="8229600" cy="857250"/>
           </a:xfrm>
           <a:prstGeom prst="rect">
             <a:avLst/>
@@ -2618,8 +2614,8 @@
         </p:nvSpPr>
         <p:spPr>
           <a:xfrm>
-            <a:off x="457200" y="1600200"/>
-            <a:ext cx="8229600" cy="4525963"/>
+            <a:off x="457200" y="1200151"/>
+            <a:ext cx="8229600" cy="3394472"/>
           </a:xfrm>
           <a:prstGeom prst="rect">
             <a:avLst/>
@@ -2680,8 +2676,8 @@
         </p:nvSpPr>
         <p:spPr>
           <a:xfrm>
-            <a:off x="457200" y="6356350"/>
-            <a:ext cx="2133600" cy="365125"/>
+            <a:off x="457200" y="4767263"/>
+            <a:ext cx="2133600" cy="273844"/>
           </a:xfrm>
           <a:prstGeom prst="rect">
             <a:avLst/>
@@ -2704,7 +2700,7 @@
             <a:fld id="{4A963B18-8CE0-498D-8805-C7189D3CCDF2}" type="datetimeFigureOut">
               <a:rPr lang="zh-TW" altLang="en-US" smtClean="0"/>
               <a:pPr/>
-              <a:t>2018/8/4</a:t>
+              <a:t>2019/8/31</a:t>
             </a:fld>
             <a:endParaRPr lang="zh-TW" altLang="en-US"/>
           </a:p>
@@ -2722,8 +2718,8 @@
         </p:nvSpPr>
         <p:spPr>
           <a:xfrm>
-            <a:off x="3124200" y="6356350"/>
-            <a:ext cx="2895600" cy="365125"/>
+            <a:off x="3124200" y="4767263"/>
+            <a:ext cx="2895600" cy="273844"/>
           </a:xfrm>
           <a:prstGeom prst="rect">
             <a:avLst/>
@@ -2759,8 +2755,8 @@
         </p:nvSpPr>
         <p:spPr>
           <a:xfrm>
-            <a:off x="6553200" y="6356350"/>
-            <a:ext cx="2133600" cy="365125"/>
+            <a:off x="6553200" y="4767263"/>
+            <a:ext cx="2133600" cy="273844"/>
           </a:xfrm>
           <a:prstGeom prst="rect">
             <a:avLst/>
@@ -3087,11 +3083,13 @@
         </p:nvSpPr>
         <p:spPr/>
         <p:txBody>
-          <a:bodyPr/>
-          <a:lstStyle/>
-          <a:p>
-            <a:r>
-              <a:rPr lang="zh-CN" altLang="en-US" b="1" dirty="0" smtClean="0">
+          <a:bodyPr>
+            <a:normAutofit/>
+          </a:bodyPr>
+          <a:lstStyle/>
+          <a:p>
+            <a:r>
+              <a:rPr lang="zh-CN" altLang="en-US" sz="4000" b="1" dirty="0" smtClean="0">
                 <a:solidFill>
                   <a:srgbClr val="000066"/>
                 </a:solidFill>
@@ -3100,7 +3098,7 @@
               </a:rPr>
               <a:t>聖哉三一</a:t>
             </a:r>
-            <a:endParaRPr lang="zh-TW" altLang="en-US" b="1" dirty="0">
+            <a:endParaRPr lang="zh-TW" altLang="en-US" sz="4000" b="1" dirty="0">
               <a:solidFill>
                 <a:srgbClr val="000066"/>
               </a:solidFill>
@@ -3120,10 +3118,15 @@
             <p:ph idx="1"/>
           </p:nvPr>
         </p:nvSpPr>
-        <p:spPr/>
+        <p:spPr>
+          <a:xfrm>
+            <a:off x="0" y="1200151"/>
+            <a:ext cx="9144000" cy="3394472"/>
+          </a:xfrm>
+        </p:spPr>
         <p:txBody>
           <a:bodyPr>
-            <a:normAutofit/>
+            <a:noAutofit/>
           </a:bodyPr>
           <a:lstStyle/>
           <a:p>
@@ -3131,14 +3134,34 @@
               <a:buNone/>
             </a:pPr>
             <a:r>
-              <a:rPr lang="zh-TW" altLang="en-US" sz="5400" b="1" dirty="0">
-                <a:solidFill>
-                  <a:srgbClr val="000066"/>
-                </a:solidFill>
-                <a:latin typeface="微軟正黑體" pitchFamily="34" charset="-120"/>
-                <a:ea typeface="微軟正黑體" pitchFamily="34" charset="-120"/>
-              </a:rPr>
-              <a:t>聖哉聖哉聖哉</a:t>
+              <a:rPr lang="zh-TW" altLang="en-US" sz="4800" b="1" dirty="0">
+                <a:solidFill>
+                  <a:srgbClr val="000066"/>
+                </a:solidFill>
+                <a:latin typeface="微軟正黑體" pitchFamily="34" charset="-120"/>
+                <a:ea typeface="微軟正黑體" pitchFamily="34" charset="-120"/>
+              </a:rPr>
+              <a:t>聖哉聖哉聖</a:t>
+            </a:r>
+            <a:r>
+              <a:rPr lang="zh-TW" altLang="en-US" sz="4800" b="1" dirty="0" smtClean="0">
+                <a:solidFill>
+                  <a:srgbClr val="000066"/>
+                </a:solidFill>
+                <a:latin typeface="微軟正黑體" pitchFamily="34" charset="-120"/>
+                <a:ea typeface="微軟正黑體" pitchFamily="34" charset="-120"/>
+              </a:rPr>
+              <a:t>哉  全</a:t>
+            </a:r>
+            <a:r>
+              <a:rPr lang="zh-TW" altLang="en-US" sz="4800" b="1" dirty="0">
+                <a:solidFill>
+                  <a:srgbClr val="000066"/>
+                </a:solidFill>
+                <a:latin typeface="微軟正黑體" pitchFamily="34" charset="-120"/>
+                <a:ea typeface="微軟正黑體" pitchFamily="34" charset="-120"/>
+              </a:rPr>
+              <a:t>能大主宰</a:t>
             </a:r>
           </a:p>
           <a:p>
@@ -3146,29 +3169,86 @@
               <a:buNone/>
             </a:pPr>
             <a:r>
-              <a:rPr lang="zh-TW" altLang="en-US" sz="5400" b="1" dirty="0">
-                <a:solidFill>
-                  <a:srgbClr val="000066"/>
-                </a:solidFill>
-                <a:latin typeface="微軟正黑體" pitchFamily="34" charset="-120"/>
-                <a:ea typeface="微軟正黑體" pitchFamily="34" charset="-120"/>
-              </a:rPr>
-              <a:t>全能大主宰</a:t>
-            </a:r>
+              <a:rPr lang="zh-TW" altLang="en-US" sz="4800" b="1" dirty="0">
+                <a:solidFill>
+                  <a:srgbClr val="000066"/>
+                </a:solidFill>
+                <a:latin typeface="微軟正黑體" pitchFamily="34" charset="-120"/>
+                <a:ea typeface="微軟正黑體" pitchFamily="34" charset="-120"/>
+              </a:rPr>
+              <a:t>大眾早晨歡</a:t>
+            </a:r>
+            <a:r>
+              <a:rPr lang="zh-TW" altLang="en-US" sz="4800" b="1" dirty="0" smtClean="0">
+                <a:solidFill>
+                  <a:srgbClr val="000066"/>
+                </a:solidFill>
+                <a:latin typeface="微軟正黑體" pitchFamily="34" charset="-120"/>
+                <a:ea typeface="微軟正黑體" pitchFamily="34" charset="-120"/>
+              </a:rPr>
+              <a:t>悅  高</a:t>
+            </a:r>
+            <a:r>
+              <a:rPr lang="zh-TW" altLang="en-US" sz="4800" b="1" dirty="0">
+                <a:solidFill>
+                  <a:srgbClr val="000066"/>
+                </a:solidFill>
+                <a:latin typeface="微軟正黑體" pitchFamily="34" charset="-120"/>
+                <a:ea typeface="微軟正黑體" pitchFamily="34" charset="-120"/>
+              </a:rPr>
+              <a:t>聲讚美主</a:t>
+            </a:r>
+            <a:r>
+              <a:rPr lang="zh-TW" altLang="en-US" sz="4800" b="1" dirty="0" smtClean="0">
+                <a:solidFill>
+                  <a:srgbClr val="000066"/>
+                </a:solidFill>
+                <a:latin typeface="微軟正黑體" pitchFamily="34" charset="-120"/>
+                <a:ea typeface="微軟正黑體" pitchFamily="34" charset="-120"/>
+              </a:rPr>
+              <a:t>名</a:t>
+            </a:r>
+            <a:endParaRPr lang="en-US" altLang="zh-TW" sz="4800" b="1" dirty="0" smtClean="0">
+              <a:solidFill>
+                <a:srgbClr val="000066"/>
+              </a:solidFill>
+              <a:latin typeface="微軟正黑體" pitchFamily="34" charset="-120"/>
+              <a:ea typeface="微軟正黑體" pitchFamily="34" charset="-120"/>
+            </a:endParaRPr>
           </a:p>
           <a:p>
             <a:pPr algn="ctr">
               <a:buNone/>
             </a:pPr>
             <a:r>
-              <a:rPr lang="zh-TW" altLang="en-US" sz="5400" b="1" dirty="0">
-                <a:solidFill>
-                  <a:srgbClr val="000066"/>
-                </a:solidFill>
-                <a:latin typeface="微軟正黑體" pitchFamily="34" charset="-120"/>
-                <a:ea typeface="微軟正黑體" pitchFamily="34" charset="-120"/>
-              </a:rPr>
-              <a:t>大眾早晨歡悅</a:t>
+              <a:rPr lang="zh-TW" altLang="en-US" sz="4800" b="1" dirty="0">
+                <a:solidFill>
+                  <a:srgbClr val="000066"/>
+                </a:solidFill>
+                <a:latin typeface="微軟正黑體" pitchFamily="34" charset="-120"/>
+                <a:ea typeface="微軟正黑體" pitchFamily="34" charset="-120"/>
+              </a:rPr>
+              <a:t>聖哉聖哉聖</a:t>
+            </a:r>
+            <a:r>
+              <a:rPr lang="zh-TW" altLang="en-US" sz="4800" b="1" dirty="0" smtClean="0">
+                <a:solidFill>
+                  <a:srgbClr val="000066"/>
+                </a:solidFill>
+                <a:latin typeface="微軟正黑體" pitchFamily="34" charset="-120"/>
+                <a:ea typeface="微軟正黑體" pitchFamily="34" charset="-120"/>
+              </a:rPr>
+              <a:t>哉  恩</a:t>
+            </a:r>
+            <a:r>
+              <a:rPr lang="zh-TW" altLang="en-US" sz="4800" b="1" dirty="0">
+                <a:solidFill>
+                  <a:srgbClr val="000066"/>
+                </a:solidFill>
+                <a:latin typeface="微軟正黑體" pitchFamily="34" charset="-120"/>
+                <a:ea typeface="微軟正黑體" pitchFamily="34" charset="-120"/>
+              </a:rPr>
+              <a:t>慈永無更改</a:t>
             </a:r>
           </a:p>
           <a:p>
@@ -3176,15 +3256,126 @@
               <a:buNone/>
             </a:pPr>
             <a:r>
-              <a:rPr lang="zh-TW" altLang="en-US" sz="5400" b="1" dirty="0">
-                <a:solidFill>
-                  <a:srgbClr val="000066"/>
-                </a:solidFill>
-                <a:latin typeface="微軟正黑體" pitchFamily="34" charset="-120"/>
-                <a:ea typeface="微軟正黑體" pitchFamily="34" charset="-120"/>
-              </a:rPr>
-              <a:t>高聲讚美主名</a:t>
-            </a:r>
+              <a:rPr lang="zh-CN" altLang="en-US" sz="4800" b="1" dirty="0">
+                <a:solidFill>
+                  <a:srgbClr val="000066"/>
+                </a:solidFill>
+                <a:latin typeface="微軟正黑體" pitchFamily="34" charset="-120"/>
+                <a:ea typeface="微軟正黑體" pitchFamily="34" charset="-120"/>
+              </a:rPr>
+              <a:t>三位一體</a:t>
+            </a:r>
+            <a:r>
+              <a:rPr lang="zh-CN" altLang="en-US" sz="4800" b="1" dirty="0" smtClean="0">
+                <a:solidFill>
+                  <a:srgbClr val="000066"/>
+                </a:solidFill>
+                <a:latin typeface="微軟正黑體" pitchFamily="34" charset="-120"/>
+                <a:ea typeface="微軟正黑體" pitchFamily="34" charset="-120"/>
+              </a:rPr>
+              <a:t>神</a:t>
+            </a:r>
+            <a:r>
+              <a:rPr lang="zh-TW" altLang="en-US" sz="4800" b="1" dirty="0" smtClean="0">
+                <a:solidFill>
+                  <a:srgbClr val="000066"/>
+                </a:solidFill>
+                <a:latin typeface="微軟正黑體" pitchFamily="34" charset="-120"/>
+                <a:ea typeface="微軟正黑體" pitchFamily="34" charset="-120"/>
+              </a:rPr>
+              <a:t>  </a:t>
+            </a:r>
+            <a:r>
+              <a:rPr lang="zh-CN" altLang="en-US" sz="4800" b="1" dirty="0" smtClean="0">
+                <a:solidFill>
+                  <a:srgbClr val="000066"/>
+                </a:solidFill>
+                <a:latin typeface="微軟正黑體" pitchFamily="34" charset="-120"/>
+                <a:ea typeface="微軟正黑體" pitchFamily="34" charset="-120"/>
+              </a:rPr>
+              <a:t>父</a:t>
+            </a:r>
+            <a:r>
+              <a:rPr lang="zh-CN" altLang="en-US" sz="4800" b="1" dirty="0">
+                <a:solidFill>
+                  <a:srgbClr val="000066"/>
+                </a:solidFill>
+                <a:latin typeface="微軟正黑體" pitchFamily="34" charset="-120"/>
+                <a:ea typeface="微軟正黑體" pitchFamily="34" charset="-120"/>
+              </a:rPr>
+              <a:t>子與聖靈</a:t>
+            </a:r>
+            <a:endParaRPr lang="zh-TW" altLang="en-US" sz="4800" b="1" dirty="0">
+              <a:solidFill>
+                <a:srgbClr val="000066"/>
+              </a:solidFill>
+              <a:latin typeface="微軟正黑體" pitchFamily="34" charset="-120"/>
+              <a:ea typeface="微軟正黑體" pitchFamily="34" charset="-120"/>
+            </a:endParaRPr>
+          </a:p>
+          <a:p>
+            <a:pPr algn="ctr">
+              <a:buNone/>
+            </a:pPr>
+            <a:endParaRPr lang="zh-TW" altLang="en-US" sz="4800" b="1" dirty="0">
+              <a:solidFill>
+                <a:srgbClr val="000066"/>
+              </a:solidFill>
+              <a:latin typeface="微軟正黑體" pitchFamily="34" charset="-120"/>
+              <a:ea typeface="微軟正黑體" pitchFamily="34" charset="-120"/>
+            </a:endParaRPr>
+          </a:p>
+        </p:txBody>
+      </p:sp>
+      <p:sp>
+        <p:nvSpPr>
+          <p:cNvPr id="3" name="TextBox 2"/>
+          <p:cNvSpPr txBox="1"/>
+          <p:nvPr/>
+        </p:nvSpPr>
+        <p:spPr>
+          <a:xfrm>
+            <a:off x="251520" y="1203598"/>
+            <a:ext cx="648072" cy="769441"/>
+          </a:xfrm>
+          <a:prstGeom prst="rect">
+            <a:avLst/>
+          </a:prstGeom>
+          <a:noFill/>
+        </p:spPr>
+        <p:txBody>
+          <a:bodyPr wrap="square" rtlCol="0">
+            <a:spAutoFit/>
+          </a:bodyPr>
+          <a:lstStyle/>
+          <a:p>
+            <a:r>
+              <a:rPr lang="en-US" altLang="zh-CN" sz="4400" b="1" dirty="0">
+                <a:solidFill>
+                  <a:srgbClr val="000066"/>
+                </a:solidFill>
+                <a:latin typeface="微軟正黑體" pitchFamily="34" charset="-120"/>
+                <a:ea typeface="微軟正黑體" pitchFamily="34" charset="-120"/>
+              </a:rPr>
+              <a:t>1</a:t>
+            </a:r>
+            <a:r>
+              <a:rPr lang="en-US" altLang="zh-CN" sz="4400" b="1" dirty="0">
+                <a:solidFill>
+                  <a:srgbClr val="000066"/>
+                </a:solidFill>
+                <a:latin typeface="微軟正黑體" pitchFamily="34" charset="-120"/>
+                <a:ea typeface="微軟正黑體" pitchFamily="34" charset="-120"/>
+              </a:rPr>
+              <a:t>.</a:t>
+            </a:r>
+            <a:endParaRPr lang="en-US" sz="4400" b="1" dirty="0">
+              <a:solidFill>
+                <a:srgbClr val="000066"/>
+              </a:solidFill>
+              <a:latin typeface="微軟正黑體" pitchFamily="34" charset="-120"/>
+              <a:ea typeface="微軟正黑體" pitchFamily="34" charset="-120"/>
+            </a:endParaRPr>
           </a:p>
         </p:txBody>
       </p:sp>
@@ -3225,11 +3416,13 @@
         </p:nvSpPr>
         <p:spPr/>
         <p:txBody>
-          <a:bodyPr/>
-          <a:lstStyle/>
-          <a:p>
-            <a:r>
-              <a:rPr lang="zh-CN" altLang="en-US" b="1" dirty="0" smtClean="0">
+          <a:bodyPr>
+            <a:normAutofit/>
+          </a:bodyPr>
+          <a:lstStyle/>
+          <a:p>
+            <a:r>
+              <a:rPr lang="zh-CN" altLang="en-US" sz="4000" b="1" dirty="0">
                 <a:solidFill>
                   <a:srgbClr val="000066"/>
                 </a:solidFill>
@@ -3238,7 +3431,7 @@
               </a:rPr>
               <a:t>聖哉三一</a:t>
             </a:r>
-            <a:endParaRPr lang="zh-TW" altLang="en-US" b="1" dirty="0">
+            <a:endParaRPr lang="zh-TW" altLang="en-US" sz="4000" b="1" dirty="0">
               <a:solidFill>
                 <a:srgbClr val="000066"/>
               </a:solidFill>
@@ -3258,10 +3451,15 @@
             <p:ph idx="1"/>
           </p:nvPr>
         </p:nvSpPr>
-        <p:spPr/>
+        <p:spPr>
+          <a:xfrm>
+            <a:off x="0" y="1200151"/>
+            <a:ext cx="9144000" cy="3394472"/>
+          </a:xfrm>
+        </p:spPr>
         <p:txBody>
           <a:bodyPr>
-            <a:normAutofit/>
+            <a:noAutofit/>
           </a:bodyPr>
           <a:lstStyle/>
           <a:p>
@@ -3269,14 +3467,34 @@
               <a:buNone/>
             </a:pPr>
             <a:r>
-              <a:rPr lang="zh-TW" altLang="en-US" sz="5400" b="1" dirty="0">
-                <a:solidFill>
-                  <a:srgbClr val="000066"/>
-                </a:solidFill>
-                <a:latin typeface="微軟正黑體" pitchFamily="34" charset="-120"/>
-                <a:ea typeface="微軟正黑體" pitchFamily="34" charset="-120"/>
-              </a:rPr>
-              <a:t>聖哉聖哉聖哉</a:t>
+              <a:rPr lang="zh-TW" altLang="en-US" sz="4800" b="1" dirty="0">
+                <a:solidFill>
+                  <a:srgbClr val="000066"/>
+                </a:solidFill>
+                <a:latin typeface="微軟正黑體" pitchFamily="34" charset="-120"/>
+                <a:ea typeface="微軟正黑體" pitchFamily="34" charset="-120"/>
+              </a:rPr>
+              <a:t>聖哉聖哉聖</a:t>
+            </a:r>
+            <a:r>
+              <a:rPr lang="zh-TW" altLang="en-US" sz="4800" b="1" dirty="0" smtClean="0">
+                <a:solidFill>
+                  <a:srgbClr val="000066"/>
+                </a:solidFill>
+                <a:latin typeface="微軟正黑體" pitchFamily="34" charset="-120"/>
+                <a:ea typeface="微軟正黑體" pitchFamily="34" charset="-120"/>
+              </a:rPr>
+              <a:t>哉  聖</a:t>
+            </a:r>
+            <a:r>
+              <a:rPr lang="zh-TW" altLang="en-US" sz="4800" b="1" dirty="0">
+                <a:solidFill>
+                  <a:srgbClr val="000066"/>
+                </a:solidFill>
+                <a:latin typeface="微軟正黑體" pitchFamily="34" charset="-120"/>
+                <a:ea typeface="微軟正黑體" pitchFamily="34" charset="-120"/>
+              </a:rPr>
+              <a:t>徒虔崇拜</a:t>
             </a:r>
           </a:p>
           <a:p>
@@ -3284,31 +3502,66 @@
               <a:buNone/>
             </a:pPr>
             <a:r>
-              <a:rPr lang="zh-TW" altLang="en-US" sz="5400" b="1" dirty="0">
-                <a:solidFill>
-                  <a:srgbClr val="000066"/>
-                </a:solidFill>
-                <a:latin typeface="微軟正黑體" pitchFamily="34" charset="-120"/>
-                <a:ea typeface="微軟正黑體" pitchFamily="34" charset="-120"/>
-              </a:rPr>
-              <a:t>恩慈永無更改</a:t>
-            </a:r>
-          </a:p>
-          <a:p>
-            <a:pPr algn="ctr">
-              <a:buNone/>
-            </a:pPr>
-            <a:r>
-              <a:rPr lang="zh-CN" altLang="en-US" sz="5400" b="1" dirty="0">
-                <a:solidFill>
-                  <a:srgbClr val="000066"/>
-                </a:solidFill>
-                <a:latin typeface="微軟正黑體" pitchFamily="34" charset="-120"/>
-                <a:ea typeface="微軟正黑體" pitchFamily="34" charset="-120"/>
-              </a:rPr>
-              <a:t>三位一體神</a:t>
-            </a:r>
-            <a:endParaRPr lang="zh-TW" altLang="en-US" sz="5400" b="1" dirty="0">
+              <a:rPr lang="zh-TW" altLang="en-US" sz="4800" b="1" dirty="0">
+                <a:solidFill>
+                  <a:srgbClr val="000066"/>
+                </a:solidFill>
+                <a:latin typeface="微軟正黑體" pitchFamily="34" charset="-120"/>
+                <a:ea typeface="微軟正黑體" pitchFamily="34" charset="-120"/>
+              </a:rPr>
+              <a:t>同將華麗金</a:t>
+            </a:r>
+            <a:r>
+              <a:rPr lang="zh-TW" altLang="en-US" sz="4800" b="1" dirty="0" smtClean="0">
+                <a:solidFill>
+                  <a:srgbClr val="000066"/>
+                </a:solidFill>
+                <a:latin typeface="微軟正黑體" pitchFamily="34" charset="-120"/>
+                <a:ea typeface="微軟正黑體" pitchFamily="34" charset="-120"/>
+              </a:rPr>
+              <a:t>冠  放</a:t>
+            </a:r>
+            <a:r>
+              <a:rPr lang="zh-CN" altLang="en-US" sz="4800" b="1" dirty="0">
+                <a:solidFill>
+                  <a:srgbClr val="000066"/>
+                </a:solidFill>
+                <a:latin typeface="微軟正黑體" pitchFamily="34" charset="-120"/>
+                <a:ea typeface="微軟正黑體" pitchFamily="34" charset="-120"/>
+              </a:rPr>
+              <a:t>於</a:t>
+            </a:r>
+            <a:r>
+              <a:rPr lang="zh-TW" altLang="en-US" sz="4800" b="1" dirty="0">
+                <a:solidFill>
+                  <a:srgbClr val="000066"/>
+                </a:solidFill>
+                <a:latin typeface="微軟正黑體" pitchFamily="34" charset="-120"/>
+                <a:ea typeface="微軟正黑體" pitchFamily="34" charset="-120"/>
+              </a:rPr>
+              <a:t>寶座</a:t>
+            </a:r>
+            <a:r>
+              <a:rPr lang="zh-TW" altLang="en-US" sz="4800" b="1" dirty="0">
+                <a:solidFill>
+                  <a:srgbClr val="000066"/>
+                </a:solidFill>
+                <a:latin typeface="微軟正黑體" pitchFamily="34" charset="-120"/>
+                <a:ea typeface="微軟正黑體" pitchFamily="34" charset="-120"/>
+              </a:rPr>
+              <a:t>面</a:t>
+            </a:r>
+            <a:r>
+              <a:rPr lang="zh-TW" altLang="en-US" sz="4800" b="1" dirty="0" smtClean="0">
+                <a:solidFill>
+                  <a:srgbClr val="000066"/>
+                </a:solidFill>
+                <a:latin typeface="微軟正黑體" pitchFamily="34" charset="-120"/>
+                <a:ea typeface="微軟正黑體" pitchFamily="34" charset="-120"/>
+              </a:rPr>
+              <a:t>前</a:t>
+            </a:r>
+            <a:endParaRPr lang="en-US" altLang="zh-TW" sz="4800" b="1" dirty="0" smtClean="0">
               <a:solidFill>
                 <a:srgbClr val="000066"/>
               </a:solidFill>
@@ -3321,16 +3574,128 @@
               <a:buNone/>
             </a:pPr>
             <a:r>
-              <a:rPr lang="zh-CN" altLang="en-US" sz="5400" b="1" dirty="0">
-                <a:solidFill>
-                  <a:srgbClr val="000066"/>
-                </a:solidFill>
-                <a:latin typeface="微軟正黑體" pitchFamily="34" charset="-120"/>
-                <a:ea typeface="微軟正黑體" pitchFamily="34" charset="-120"/>
-              </a:rPr>
-              <a:t>父子與聖靈</a:t>
-            </a:r>
-            <a:endParaRPr lang="zh-TW" altLang="en-US" sz="5400" b="1" dirty="0">
+              <a:rPr lang="zh-TW" altLang="en-US" sz="4800" b="1" dirty="0">
+                <a:solidFill>
+                  <a:srgbClr val="000066"/>
+                </a:solidFill>
+                <a:latin typeface="微軟正黑體" pitchFamily="34" charset="-120"/>
+                <a:ea typeface="微軟正黑體" pitchFamily="34" charset="-120"/>
+              </a:rPr>
+              <a:t>基路冰西拉</a:t>
+            </a:r>
+            <a:r>
+              <a:rPr lang="zh-TW" altLang="en-US" sz="4800" b="1" dirty="0" smtClean="0">
+                <a:solidFill>
+                  <a:srgbClr val="000066"/>
+                </a:solidFill>
+                <a:latin typeface="微軟正黑體" pitchFamily="34" charset="-120"/>
+                <a:ea typeface="微軟正黑體" pitchFamily="34" charset="-120"/>
+              </a:rPr>
+              <a:t>冰  也</a:t>
+            </a:r>
+            <a:r>
+              <a:rPr lang="zh-TW" altLang="en-US" sz="4800" b="1" dirty="0">
+                <a:solidFill>
+                  <a:srgbClr val="000066"/>
+                </a:solidFill>
+                <a:latin typeface="微軟正黑體" pitchFamily="34" charset="-120"/>
+                <a:ea typeface="微軟正黑體" pitchFamily="34" charset="-120"/>
+              </a:rPr>
+              <a:t>敬拜全能者</a:t>
+            </a:r>
+          </a:p>
+          <a:p>
+            <a:pPr algn="ctr">
+              <a:buNone/>
+            </a:pPr>
+            <a:r>
+              <a:rPr lang="zh-TW" altLang="en-US" sz="4800" b="1" dirty="0">
+                <a:solidFill>
+                  <a:srgbClr val="000066"/>
+                </a:solidFill>
+                <a:latin typeface="微軟正黑體" pitchFamily="34" charset="-120"/>
+                <a:ea typeface="微軟正黑體" pitchFamily="34" charset="-120"/>
+              </a:rPr>
+              <a:t>昔在而今</a:t>
+            </a:r>
+            <a:r>
+              <a:rPr lang="zh-TW" altLang="en-US" sz="4800" b="1" dirty="0" smtClean="0">
+                <a:solidFill>
+                  <a:srgbClr val="000066"/>
+                </a:solidFill>
+                <a:latin typeface="微軟正黑體" pitchFamily="34" charset="-120"/>
+                <a:ea typeface="微軟正黑體" pitchFamily="34" charset="-120"/>
+              </a:rPr>
+              <a:t>在  永</a:t>
+            </a:r>
+            <a:r>
+              <a:rPr lang="zh-TW" altLang="en-US" sz="4800" b="1" dirty="0">
+                <a:solidFill>
+                  <a:srgbClr val="000066"/>
+                </a:solidFill>
+                <a:latin typeface="微軟正黑體" pitchFamily="34" charset="-120"/>
+                <a:ea typeface="微軟正黑體" pitchFamily="34" charset="-120"/>
+              </a:rPr>
+              <a:t>在萬萬年</a:t>
+            </a:r>
+          </a:p>
+          <a:p>
+            <a:pPr algn="ctr">
+              <a:buNone/>
+            </a:pPr>
+            <a:endParaRPr lang="zh-TW" altLang="en-US" sz="4800" b="1" dirty="0">
+              <a:solidFill>
+                <a:srgbClr val="000066"/>
+              </a:solidFill>
+              <a:latin typeface="微軟正黑體" pitchFamily="34" charset="-120"/>
+              <a:ea typeface="微軟正黑體" pitchFamily="34" charset="-120"/>
+            </a:endParaRPr>
+          </a:p>
+        </p:txBody>
+      </p:sp>
+      <p:sp>
+        <p:nvSpPr>
+          <p:cNvPr id="5" name="TextBox 4"/>
+          <p:cNvSpPr txBox="1"/>
+          <p:nvPr/>
+        </p:nvSpPr>
+        <p:spPr>
+          <a:xfrm>
+            <a:off x="251520" y="1203598"/>
+            <a:ext cx="648072" cy="769441"/>
+          </a:xfrm>
+          <a:prstGeom prst="rect">
+            <a:avLst/>
+          </a:prstGeom>
+          <a:noFill/>
+        </p:spPr>
+        <p:txBody>
+          <a:bodyPr wrap="square" rtlCol="0">
+            <a:spAutoFit/>
+          </a:bodyPr>
+          <a:lstStyle/>
+          <a:p>
+            <a:r>
+              <a:rPr lang="en-US" altLang="zh-CN" sz="4400" b="1" dirty="0">
+                <a:solidFill>
+                  <a:srgbClr val="000066"/>
+                </a:solidFill>
+                <a:latin typeface="微軟正黑體" pitchFamily="34" charset="-120"/>
+                <a:ea typeface="微軟正黑體" pitchFamily="34" charset="-120"/>
+              </a:rPr>
+              <a:t>2</a:t>
+            </a:r>
+            <a:r>
+              <a:rPr lang="en-US" altLang="zh-CN" sz="4400" b="1" dirty="0" smtClean="0">
+                <a:solidFill>
+                  <a:srgbClr val="000066"/>
+                </a:solidFill>
+                <a:latin typeface="微軟正黑體" pitchFamily="34" charset="-120"/>
+                <a:ea typeface="微軟正黑體" pitchFamily="34" charset="-120"/>
+              </a:rPr>
+              <a:t>.</a:t>
+            </a:r>
+            <a:endParaRPr lang="en-US" sz="4400" b="1" dirty="0">
               <a:solidFill>
                 <a:srgbClr val="000066"/>
               </a:solidFill>
@@ -3383,7 +3748,7 @@
           <a:lstStyle/>
           <a:p>
             <a:r>
-              <a:rPr lang="zh-CN" altLang="en-US" b="1" dirty="0" smtClean="0">
+              <a:rPr lang="zh-CN" altLang="en-US" sz="4000" b="1" dirty="0">
                 <a:solidFill>
                   <a:srgbClr val="000066"/>
                 </a:solidFill>
@@ -3392,7 +3757,7 @@
               </a:rPr>
               <a:t>聖哉三一</a:t>
             </a:r>
-            <a:endParaRPr lang="zh-TW" altLang="en-US" b="1" dirty="0">
+            <a:endParaRPr lang="zh-TW" altLang="en-US" sz="4000" b="1" dirty="0">
               <a:solidFill>
                 <a:srgbClr val="000066"/>
               </a:solidFill>
@@ -3412,10 +3777,15 @@
             <p:ph idx="1"/>
           </p:nvPr>
         </p:nvSpPr>
-        <p:spPr/>
+        <p:spPr>
+          <a:xfrm>
+            <a:off x="0" y="1200151"/>
+            <a:ext cx="9144000" cy="3394472"/>
+          </a:xfrm>
+        </p:spPr>
         <p:txBody>
           <a:bodyPr>
-            <a:normAutofit/>
+            <a:noAutofit/>
           </a:bodyPr>
           <a:lstStyle/>
           <a:p>
@@ -3423,14 +3793,34 @@
               <a:buNone/>
             </a:pPr>
             <a:r>
-              <a:rPr lang="zh-TW" altLang="en-US" sz="5400" b="1" dirty="0">
-                <a:solidFill>
-                  <a:srgbClr val="000066"/>
-                </a:solidFill>
-                <a:latin typeface="微軟正黑體" pitchFamily="34" charset="-120"/>
-                <a:ea typeface="微軟正黑體" pitchFamily="34" charset="-120"/>
-              </a:rPr>
-              <a:t>聖哉聖哉聖哉</a:t>
+              <a:rPr lang="zh-TW" altLang="en-US" sz="4800" b="1" dirty="0">
+                <a:solidFill>
+                  <a:srgbClr val="000066"/>
+                </a:solidFill>
+                <a:latin typeface="微軟正黑體" pitchFamily="34" charset="-120"/>
+                <a:ea typeface="微軟正黑體" pitchFamily="34" charset="-120"/>
+              </a:rPr>
+              <a:t>聖哉聖哉聖</a:t>
+            </a:r>
+            <a:r>
+              <a:rPr lang="zh-TW" altLang="en-US" sz="4800" b="1" dirty="0" smtClean="0">
+                <a:solidFill>
+                  <a:srgbClr val="000066"/>
+                </a:solidFill>
+                <a:latin typeface="微軟正黑體" pitchFamily="34" charset="-120"/>
+                <a:ea typeface="微軟正黑體" pitchFamily="34" charset="-120"/>
+              </a:rPr>
+              <a:t>哉  主</a:t>
+            </a:r>
+            <a:r>
+              <a:rPr lang="zh-TW" altLang="en-US" sz="4800" b="1" dirty="0">
+                <a:solidFill>
+                  <a:srgbClr val="000066"/>
+                </a:solidFill>
+                <a:latin typeface="微軟正黑體" pitchFamily="34" charset="-120"/>
+                <a:ea typeface="微軟正黑體" pitchFamily="34" charset="-120"/>
+              </a:rPr>
+              <a:t>藏彩雲裡</a:t>
             </a:r>
           </a:p>
           <a:p>
@@ -3438,29 +3828,86 @@
               <a:buNone/>
             </a:pPr>
             <a:r>
-              <a:rPr lang="zh-TW" altLang="en-US" sz="5400" b="1" dirty="0">
-                <a:solidFill>
-                  <a:srgbClr val="000066"/>
-                </a:solidFill>
-                <a:latin typeface="微軟正黑體" pitchFamily="34" charset="-120"/>
-                <a:ea typeface="微軟正黑體" pitchFamily="34" charset="-120"/>
-              </a:rPr>
-              <a:t>聖徒虔崇拜</a:t>
-            </a:r>
+              <a:rPr lang="zh-TW" altLang="en-US" sz="4800" b="1" dirty="0">
+                <a:solidFill>
+                  <a:srgbClr val="000066"/>
+                </a:solidFill>
+                <a:latin typeface="微軟正黑體" pitchFamily="34" charset="-120"/>
+                <a:ea typeface="微軟正黑體" pitchFamily="34" charset="-120"/>
+              </a:rPr>
+              <a:t>罪人何得目</a:t>
+            </a:r>
+            <a:r>
+              <a:rPr lang="zh-TW" altLang="en-US" sz="4800" b="1" dirty="0" smtClean="0">
+                <a:solidFill>
+                  <a:srgbClr val="000066"/>
+                </a:solidFill>
+                <a:latin typeface="微軟正黑體" pitchFamily="34" charset="-120"/>
+                <a:ea typeface="微軟正黑體" pitchFamily="34" charset="-120"/>
+              </a:rPr>
+              <a:t>見  真</a:t>
+            </a:r>
+            <a:r>
+              <a:rPr lang="zh-TW" altLang="en-US" sz="4800" b="1" dirty="0">
+                <a:solidFill>
+                  <a:srgbClr val="000066"/>
+                </a:solidFill>
+                <a:latin typeface="微軟正黑體" pitchFamily="34" charset="-120"/>
+                <a:ea typeface="微軟正黑體" pitchFamily="34" charset="-120"/>
+              </a:rPr>
+              <a:t>主威嚴榮</a:t>
+            </a:r>
+            <a:r>
+              <a:rPr lang="zh-TW" altLang="en-US" sz="4800" b="1" dirty="0" smtClean="0">
+                <a:solidFill>
+                  <a:srgbClr val="000066"/>
+                </a:solidFill>
+                <a:latin typeface="微軟正黑體" pitchFamily="34" charset="-120"/>
+                <a:ea typeface="微軟正黑體" pitchFamily="34" charset="-120"/>
+              </a:rPr>
+              <a:t>光</a:t>
+            </a:r>
+            <a:endParaRPr lang="en-US" altLang="zh-TW" sz="4800" b="1" dirty="0" smtClean="0">
+              <a:solidFill>
+                <a:srgbClr val="000066"/>
+              </a:solidFill>
+              <a:latin typeface="微軟正黑體" pitchFamily="34" charset="-120"/>
+              <a:ea typeface="微軟正黑體" pitchFamily="34" charset="-120"/>
+            </a:endParaRPr>
           </a:p>
           <a:p>
             <a:pPr algn="ctr">
               <a:buNone/>
             </a:pPr>
             <a:r>
-              <a:rPr lang="zh-TW" altLang="en-US" sz="5400" b="1" dirty="0">
-                <a:solidFill>
-                  <a:srgbClr val="000066"/>
-                </a:solidFill>
-                <a:latin typeface="微軟正黑體" pitchFamily="34" charset="-120"/>
-                <a:ea typeface="微軟正黑體" pitchFamily="34" charset="-120"/>
-              </a:rPr>
-              <a:t>同將華麗金冠</a:t>
+              <a:rPr lang="zh-TW" altLang="en-US" sz="4800" b="1" dirty="0">
+                <a:solidFill>
+                  <a:srgbClr val="000066"/>
+                </a:solidFill>
+                <a:latin typeface="微軟正黑體" pitchFamily="34" charset="-120"/>
+                <a:ea typeface="微軟正黑體" pitchFamily="34" charset="-120"/>
+              </a:rPr>
+              <a:t>惟耶和華至</a:t>
+            </a:r>
+            <a:r>
+              <a:rPr lang="zh-TW" altLang="en-US" sz="4800" b="1" dirty="0" smtClean="0">
+                <a:solidFill>
+                  <a:srgbClr val="000066"/>
+                </a:solidFill>
+                <a:latin typeface="微軟正黑體" pitchFamily="34" charset="-120"/>
+                <a:ea typeface="微軟正黑體" pitchFamily="34" charset="-120"/>
+              </a:rPr>
+              <a:t>聖  誰</a:t>
+            </a:r>
+            <a:r>
+              <a:rPr lang="zh-TW" altLang="en-US" sz="4800" b="1" dirty="0">
+                <a:solidFill>
+                  <a:srgbClr val="000066"/>
+                </a:solidFill>
+                <a:latin typeface="微軟正黑體" pitchFamily="34" charset="-120"/>
+                <a:ea typeface="微軟正黑體" pitchFamily="34" charset="-120"/>
+              </a:rPr>
+              <a:t>能與主比擬</a:t>
             </a:r>
           </a:p>
           <a:p>
@@ -3468,45 +3915,126 @@
               <a:buNone/>
             </a:pPr>
             <a:r>
-              <a:rPr lang="zh-TW" altLang="en-US" sz="5400" b="1" dirty="0" smtClean="0">
-                <a:solidFill>
-                  <a:srgbClr val="000066"/>
-                </a:solidFill>
-                <a:latin typeface="微軟正黑體" pitchFamily="34" charset="-120"/>
-                <a:ea typeface="微軟正黑體" pitchFamily="34" charset="-120"/>
-              </a:rPr>
-              <a:t>放</a:t>
-            </a:r>
-            <a:r>
-              <a:rPr lang="zh-CN" altLang="en-US" sz="5400" b="1" smtClean="0">
-                <a:solidFill>
-                  <a:srgbClr val="000066"/>
-                </a:solidFill>
-                <a:latin typeface="微軟正黑體" pitchFamily="34" charset="-120"/>
-                <a:ea typeface="微軟正黑體" pitchFamily="34" charset="-120"/>
-              </a:rPr>
-              <a:t>於</a:t>
-            </a:r>
-            <a:r>
-              <a:rPr lang="zh-TW" altLang="en-US" sz="5400" b="1" smtClean="0">
-                <a:solidFill>
-                  <a:srgbClr val="000066"/>
-                </a:solidFill>
-                <a:latin typeface="微軟正黑體" pitchFamily="34" charset="-120"/>
-                <a:ea typeface="微軟正黑體" pitchFamily="34" charset="-120"/>
-              </a:rPr>
-              <a:t>寶座</a:t>
-            </a:r>
-            <a:r>
-              <a:rPr lang="zh-TW" altLang="en-US" sz="5400" b="1" dirty="0">
-                <a:solidFill>
-                  <a:srgbClr val="000066"/>
-                </a:solidFill>
-                <a:latin typeface="微軟正黑體" pitchFamily="34" charset="-120"/>
-                <a:ea typeface="微軟正黑體" pitchFamily="34" charset="-120"/>
-              </a:rPr>
-              <a:t>面前</a:t>
-            </a:r>
+              <a:rPr lang="zh-CN" altLang="en-US" sz="4800" b="1" dirty="0">
+                <a:solidFill>
+                  <a:srgbClr val="000066"/>
+                </a:solidFill>
+                <a:latin typeface="微軟正黑體" pitchFamily="34" charset="-120"/>
+                <a:ea typeface="微軟正黑體" pitchFamily="34" charset="-120"/>
+              </a:rPr>
+              <a:t>智仁勇全</a:t>
+            </a:r>
+            <a:r>
+              <a:rPr lang="zh-CN" altLang="en-US" sz="4800" b="1" dirty="0" smtClean="0">
+                <a:solidFill>
+                  <a:srgbClr val="000066"/>
+                </a:solidFill>
+                <a:latin typeface="微軟正黑體" pitchFamily="34" charset="-120"/>
+                <a:ea typeface="微軟正黑體" pitchFamily="34" charset="-120"/>
+              </a:rPr>
+              <a:t>備</a:t>
+            </a:r>
+            <a:r>
+              <a:rPr lang="zh-TW" altLang="en-US" sz="4800" b="1" dirty="0" smtClean="0">
+                <a:solidFill>
+                  <a:srgbClr val="000066"/>
+                </a:solidFill>
+                <a:latin typeface="微軟正黑體" pitchFamily="34" charset="-120"/>
+                <a:ea typeface="微軟正黑體" pitchFamily="34" charset="-120"/>
+              </a:rPr>
+              <a:t>  </a:t>
+            </a:r>
+            <a:r>
+              <a:rPr lang="zh-CN" altLang="en-US" sz="4800" b="1" dirty="0" smtClean="0">
+                <a:solidFill>
+                  <a:srgbClr val="000066"/>
+                </a:solidFill>
+                <a:latin typeface="微軟正黑體" pitchFamily="34" charset="-120"/>
+                <a:ea typeface="微軟正黑體" pitchFamily="34" charset="-120"/>
+              </a:rPr>
+              <a:t>大</a:t>
+            </a:r>
+            <a:r>
+              <a:rPr lang="zh-CN" altLang="en-US" sz="4800" b="1" dirty="0">
+                <a:solidFill>
+                  <a:srgbClr val="000066"/>
+                </a:solidFill>
+                <a:latin typeface="微軟正黑體" pitchFamily="34" charset="-120"/>
+                <a:ea typeface="微軟正黑體" pitchFamily="34" charset="-120"/>
+              </a:rPr>
+              <a:t>哉天地王</a:t>
+            </a:r>
+            <a:endParaRPr lang="zh-TW" altLang="en-US" sz="4800" b="1" dirty="0">
+              <a:solidFill>
+                <a:srgbClr val="000066"/>
+              </a:solidFill>
+              <a:latin typeface="微軟正黑體" pitchFamily="34" charset="-120"/>
+              <a:ea typeface="微軟正黑體" pitchFamily="34" charset="-120"/>
+            </a:endParaRPr>
+          </a:p>
+          <a:p>
+            <a:pPr algn="ctr">
+              <a:buNone/>
+            </a:pPr>
+            <a:endParaRPr lang="zh-TW" altLang="en-US" sz="4800" b="1" dirty="0">
+              <a:solidFill>
+                <a:srgbClr val="000066"/>
+              </a:solidFill>
+              <a:latin typeface="微軟正黑體" pitchFamily="34" charset="-120"/>
+              <a:ea typeface="微軟正黑體" pitchFamily="34" charset="-120"/>
+            </a:endParaRPr>
+          </a:p>
+        </p:txBody>
+      </p:sp>
+      <p:sp>
+        <p:nvSpPr>
+          <p:cNvPr id="5" name="TextBox 4"/>
+          <p:cNvSpPr txBox="1"/>
+          <p:nvPr/>
+        </p:nvSpPr>
+        <p:spPr>
+          <a:xfrm>
+            <a:off x="251520" y="1203598"/>
+            <a:ext cx="648072" cy="769441"/>
+          </a:xfrm>
+          <a:prstGeom prst="rect">
+            <a:avLst/>
+          </a:prstGeom>
+          <a:noFill/>
+        </p:spPr>
+        <p:txBody>
+          <a:bodyPr wrap="square" rtlCol="0">
+            <a:spAutoFit/>
+          </a:bodyPr>
+          <a:lstStyle/>
+          <a:p>
+            <a:r>
+              <a:rPr lang="en-US" altLang="zh-CN" sz="4400" b="1" dirty="0">
+                <a:solidFill>
+                  <a:srgbClr val="000066"/>
+                </a:solidFill>
+                <a:latin typeface="微軟正黑體" pitchFamily="34" charset="-120"/>
+                <a:ea typeface="微軟正黑體" pitchFamily="34" charset="-120"/>
+              </a:rPr>
+              <a:t>3</a:t>
+            </a:r>
+            <a:r>
+              <a:rPr lang="en-US" altLang="zh-CN" sz="4400" b="1" dirty="0" smtClean="0">
+                <a:solidFill>
+                  <a:srgbClr val="000066"/>
+                </a:solidFill>
+                <a:latin typeface="微軟正黑體" pitchFamily="34" charset="-120"/>
+                <a:ea typeface="微軟正黑體" pitchFamily="34" charset="-120"/>
+              </a:rPr>
+              <a:t>.</a:t>
+            </a:r>
+            <a:endParaRPr lang="en-US" sz="4400" b="1" dirty="0">
+              <a:solidFill>
+                <a:srgbClr val="000066"/>
+              </a:solidFill>
+              <a:latin typeface="微軟正黑體" pitchFamily="34" charset="-120"/>
+              <a:ea typeface="微軟正黑體" pitchFamily="34" charset="-120"/>
+            </a:endParaRPr>
           </a:p>
         </p:txBody>
       </p:sp>
@@ -3553,7 +4081,7 @@
           <a:lstStyle/>
           <a:p>
             <a:r>
-              <a:rPr lang="zh-CN" altLang="en-US" b="1" dirty="0" smtClean="0">
+              <a:rPr lang="zh-CN" altLang="en-US" sz="4000" b="1" dirty="0">
                 <a:solidFill>
                   <a:srgbClr val="000066"/>
                 </a:solidFill>
@@ -3562,7 +4090,7 @@
               </a:rPr>
               <a:t>聖哉三一</a:t>
             </a:r>
-            <a:endParaRPr lang="zh-TW" altLang="en-US" b="1" dirty="0">
+            <a:endParaRPr lang="zh-TW" altLang="en-US" sz="4000" b="1" dirty="0">
               <a:solidFill>
                 <a:srgbClr val="000066"/>
               </a:solidFill>
@@ -3582,10 +4110,15 @@
             <p:ph idx="1"/>
           </p:nvPr>
         </p:nvSpPr>
-        <p:spPr/>
+        <p:spPr>
+          <a:xfrm>
+            <a:off x="0" y="1200151"/>
+            <a:ext cx="9144000" cy="3394472"/>
+          </a:xfrm>
+        </p:spPr>
         <p:txBody>
           <a:bodyPr>
-            <a:normAutofit/>
+            <a:noAutofit/>
           </a:bodyPr>
           <a:lstStyle/>
           <a:p>
@@ -3593,14 +4126,34 @@
               <a:buNone/>
             </a:pPr>
             <a:r>
-              <a:rPr lang="zh-TW" altLang="en-US" sz="5400" b="1" dirty="0">
-                <a:solidFill>
-                  <a:srgbClr val="000066"/>
-                </a:solidFill>
-                <a:latin typeface="微軟正黑體" pitchFamily="34" charset="-120"/>
-                <a:ea typeface="微軟正黑體" pitchFamily="34" charset="-120"/>
-              </a:rPr>
-              <a:t>基路冰西拉冰</a:t>
+              <a:rPr lang="zh-TW" altLang="en-US" sz="4800" b="1" dirty="0">
+                <a:solidFill>
+                  <a:srgbClr val="000066"/>
+                </a:solidFill>
+                <a:latin typeface="微軟正黑體" pitchFamily="34" charset="-120"/>
+                <a:ea typeface="微軟正黑體" pitchFamily="34" charset="-120"/>
+              </a:rPr>
+              <a:t>聖哉聖哉聖</a:t>
+            </a:r>
+            <a:r>
+              <a:rPr lang="zh-TW" altLang="en-US" sz="4800" b="1" dirty="0" smtClean="0">
+                <a:solidFill>
+                  <a:srgbClr val="000066"/>
+                </a:solidFill>
+                <a:latin typeface="微軟正黑體" pitchFamily="34" charset="-120"/>
+                <a:ea typeface="微軟正黑體" pitchFamily="34" charset="-120"/>
+              </a:rPr>
+              <a:t>哉  全</a:t>
+            </a:r>
+            <a:r>
+              <a:rPr lang="zh-TW" altLang="en-US" sz="4800" b="1" dirty="0">
+                <a:solidFill>
+                  <a:srgbClr val="000066"/>
+                </a:solidFill>
+                <a:latin typeface="微軟正黑體" pitchFamily="34" charset="-120"/>
+                <a:ea typeface="微軟正黑體" pitchFamily="34" charset="-120"/>
+              </a:rPr>
+              <a:t>能大主宰</a:t>
             </a:r>
           </a:p>
           <a:p>
@@ -3608,101 +4161,46 @@
               <a:buNone/>
             </a:pPr>
             <a:r>
-              <a:rPr lang="zh-TW" altLang="en-US" sz="5400" b="1" dirty="0">
-                <a:solidFill>
-                  <a:srgbClr val="000066"/>
-                </a:solidFill>
-                <a:latin typeface="微軟正黑體" pitchFamily="34" charset="-120"/>
-                <a:ea typeface="微軟正黑體" pitchFamily="34" charset="-120"/>
-              </a:rPr>
-              <a:t>也敬拜全能者</a:t>
-            </a:r>
-          </a:p>
-          <a:p>
-            <a:pPr algn="ctr">
-              <a:buNone/>
-            </a:pPr>
-            <a:r>
-              <a:rPr lang="zh-TW" altLang="en-US" sz="5400" b="1" dirty="0">
-                <a:solidFill>
-                  <a:srgbClr val="000066"/>
-                </a:solidFill>
-                <a:latin typeface="微軟正黑體" pitchFamily="34" charset="-120"/>
-                <a:ea typeface="微軟正黑體" pitchFamily="34" charset="-120"/>
-              </a:rPr>
-              <a:t>昔在而今在</a:t>
-            </a:r>
-          </a:p>
-          <a:p>
-            <a:pPr algn="ctr">
-              <a:buNone/>
-            </a:pPr>
-            <a:r>
-              <a:rPr lang="zh-TW" altLang="en-US" sz="5400" b="1" dirty="0">
-                <a:solidFill>
-                  <a:srgbClr val="000066"/>
-                </a:solidFill>
-                <a:latin typeface="微軟正黑體" pitchFamily="34" charset="-120"/>
-                <a:ea typeface="微軟正黑體" pitchFamily="34" charset="-120"/>
-              </a:rPr>
-              <a:t>永在萬萬年</a:t>
-            </a:r>
-          </a:p>
-        </p:txBody>
-      </p:sp>
-    </p:spTree>
-  </p:cSld>
-  <p:clrMapOvr>
-    <a:masterClrMapping/>
-  </p:clrMapOvr>
-</p:sld>
-</file>
-
-<file path=ppt/slides/slide5.xml><?xml version="1.0" encoding="utf-8"?>
-<p:sld xmlns:a="http://schemas.openxmlformats.org/drawingml/2006/main" xmlns:r="http://schemas.openxmlformats.org/officeDocument/2006/relationships" xmlns:p="http://schemas.openxmlformats.org/presentationml/2006/main">
-  <p:cSld>
-    <p:spTree>
-      <p:nvGrpSpPr>
-        <p:cNvPr id="1" name=""/>
-        <p:cNvGrpSpPr/>
-        <p:nvPr/>
-      </p:nvGrpSpPr>
-      <p:grpSpPr>
-        <a:xfrm>
-          <a:off x="0" y="0"/>
-          <a:ext cx="0" cy="0"/>
-          <a:chOff x="0" y="0"/>
-          <a:chExt cx="0" cy="0"/>
-        </a:xfrm>
-      </p:grpSpPr>
-      <p:sp>
-        <p:nvSpPr>
-          <p:cNvPr id="2" name="標題 1"/>
-          <p:cNvSpPr>
-            <a:spLocks noGrp="1"/>
-          </p:cNvSpPr>
-          <p:nvPr>
-            <p:ph type="title"/>
-          </p:nvPr>
-        </p:nvSpPr>
-        <p:spPr/>
-        <p:txBody>
-          <a:bodyPr>
-            <a:normAutofit/>
-          </a:bodyPr>
-          <a:lstStyle/>
-          <a:p>
-            <a:r>
-              <a:rPr lang="zh-CN" altLang="en-US" b="1" dirty="0" smtClean="0">
-                <a:solidFill>
-                  <a:srgbClr val="000066"/>
-                </a:solidFill>
-                <a:latin typeface="微軟正黑體" pitchFamily="34" charset="-120"/>
-                <a:ea typeface="微軟正黑體" pitchFamily="34" charset="-120"/>
-              </a:rPr>
-              <a:t>聖哉三一</a:t>
-            </a:r>
-            <a:endParaRPr lang="zh-TW" altLang="en-US" b="1" dirty="0">
+              <a:rPr lang="zh-TW" altLang="en-US" sz="4800" b="1" dirty="0">
+                <a:solidFill>
+                  <a:srgbClr val="000066"/>
+                </a:solidFill>
+                <a:latin typeface="微軟正黑體" pitchFamily="34" charset="-120"/>
+                <a:ea typeface="微軟正黑體" pitchFamily="34" charset="-120"/>
+              </a:rPr>
+              <a:t>天上地下海</a:t>
+            </a:r>
+            <a:r>
+              <a:rPr lang="zh-TW" altLang="en-US" sz="4800" b="1" dirty="0" smtClean="0">
+                <a:solidFill>
+                  <a:srgbClr val="000066"/>
+                </a:solidFill>
+                <a:latin typeface="微軟正黑體" pitchFamily="34" charset="-120"/>
+                <a:ea typeface="微軟正黑體" pitchFamily="34" charset="-120"/>
+              </a:rPr>
+              <a:t>中  萬</a:t>
+            </a:r>
+            <a:r>
+              <a:rPr lang="zh-TW" altLang="en-US" sz="4800" b="1" dirty="0">
+                <a:solidFill>
+                  <a:srgbClr val="000066"/>
+                </a:solidFill>
+                <a:latin typeface="微軟正黑體" pitchFamily="34" charset="-120"/>
+                <a:ea typeface="微軟正黑體" pitchFamily="34" charset="-120"/>
+              </a:rPr>
+              <a:t>物頌主聖</a:t>
+            </a:r>
+            <a:r>
+              <a:rPr lang="zh-TW" altLang="en-US" sz="4800" b="1" dirty="0" smtClean="0">
+                <a:solidFill>
+                  <a:srgbClr val="000066"/>
+                </a:solidFill>
+                <a:latin typeface="微軟正黑體" pitchFamily="34" charset="-120"/>
+                <a:ea typeface="微軟正黑體" pitchFamily="34" charset="-120"/>
+              </a:rPr>
+              <a:t>名</a:t>
+            </a:r>
+            <a:endParaRPr lang="en-US" altLang="zh-TW" sz="4800" b="1" dirty="0" smtClean="0">
               <a:solidFill>
                 <a:srgbClr val="000066"/>
               </a:solidFill>
@@ -3710,37 +4208,39 @@
               <a:ea typeface="微軟正黑體" pitchFamily="34" charset="-120"/>
             </a:endParaRPr>
           </a:p>
-        </p:txBody>
-      </p:sp>
-      <p:sp>
-        <p:nvSpPr>
-          <p:cNvPr id="4" name="內容版面配置區 3"/>
-          <p:cNvSpPr>
-            <a:spLocks noGrp="1"/>
-          </p:cNvSpPr>
-          <p:nvPr>
-            <p:ph idx="1"/>
-          </p:nvPr>
-        </p:nvSpPr>
-        <p:spPr/>
-        <p:txBody>
-          <a:bodyPr>
-            <a:normAutofit/>
-          </a:bodyPr>
-          <a:lstStyle/>
           <a:p>
             <a:pPr algn="ctr">
               <a:buNone/>
             </a:pPr>
             <a:r>
-              <a:rPr lang="zh-TW" altLang="en-US" sz="5400" b="1" dirty="0">
-                <a:solidFill>
-                  <a:srgbClr val="000066"/>
-                </a:solidFill>
-                <a:latin typeface="微軟正黑體" pitchFamily="34" charset="-120"/>
-                <a:ea typeface="微軟正黑體" pitchFamily="34" charset="-120"/>
-              </a:rPr>
-              <a:t>聖哉聖哉聖哉</a:t>
+              <a:rPr lang="zh-TW" altLang="en-US" sz="4800" b="1" dirty="0">
+                <a:solidFill>
+                  <a:srgbClr val="000066"/>
+                </a:solidFill>
+                <a:latin typeface="微軟正黑體" pitchFamily="34" charset="-120"/>
+                <a:ea typeface="微軟正黑體" pitchFamily="34" charset="-120"/>
+              </a:rPr>
+              <a:t>聖哉聖哉聖</a:t>
+            </a:r>
+            <a:r>
+              <a:rPr lang="zh-TW" altLang="en-US" sz="4800" b="1" dirty="0" smtClean="0">
+                <a:solidFill>
+                  <a:srgbClr val="000066"/>
+                </a:solidFill>
+                <a:latin typeface="微軟正黑體" pitchFamily="34" charset="-120"/>
+                <a:ea typeface="微軟正黑體" pitchFamily="34" charset="-120"/>
+              </a:rPr>
+              <a:t>哉  恩</a:t>
+            </a:r>
+            <a:r>
+              <a:rPr lang="zh-TW" altLang="en-US" sz="4800" b="1" dirty="0">
+                <a:solidFill>
+                  <a:srgbClr val="000066"/>
+                </a:solidFill>
+                <a:latin typeface="微軟正黑體" pitchFamily="34" charset="-120"/>
+                <a:ea typeface="微軟正黑體" pitchFamily="34" charset="-120"/>
+              </a:rPr>
+              <a:t>慈永無更改</a:t>
             </a:r>
           </a:p>
           <a:p>
@@ -3748,101 +4248,56 @@
               <a:buNone/>
             </a:pPr>
             <a:r>
-              <a:rPr lang="zh-TW" altLang="en-US" sz="5400" b="1" dirty="0">
-                <a:solidFill>
-                  <a:srgbClr val="000066"/>
-                </a:solidFill>
-                <a:latin typeface="微軟正黑體" pitchFamily="34" charset="-120"/>
-                <a:ea typeface="微軟正黑體" pitchFamily="34" charset="-120"/>
-              </a:rPr>
-              <a:t>主藏彩雲裡</a:t>
-            </a:r>
-          </a:p>
-          <a:p>
-            <a:pPr algn="ctr">
-              <a:buNone/>
-            </a:pPr>
-            <a:r>
-              <a:rPr lang="zh-TW" altLang="en-US" sz="5400" b="1" dirty="0">
-                <a:solidFill>
-                  <a:srgbClr val="000066"/>
-                </a:solidFill>
-                <a:latin typeface="微軟正黑體" pitchFamily="34" charset="-120"/>
-                <a:ea typeface="微軟正黑體" pitchFamily="34" charset="-120"/>
-              </a:rPr>
-              <a:t>罪人何得目見</a:t>
-            </a:r>
-          </a:p>
-          <a:p>
-            <a:pPr algn="ctr">
-              <a:buNone/>
-            </a:pPr>
-            <a:r>
-              <a:rPr lang="zh-TW" altLang="en-US" sz="5400" b="1" dirty="0">
-                <a:solidFill>
-                  <a:srgbClr val="000066"/>
-                </a:solidFill>
-                <a:latin typeface="微軟正黑體" pitchFamily="34" charset="-120"/>
-                <a:ea typeface="微軟正黑體" pitchFamily="34" charset="-120"/>
-              </a:rPr>
-              <a:t>真主威嚴榮光</a:t>
-            </a:r>
-          </a:p>
-        </p:txBody>
-      </p:sp>
-    </p:spTree>
-  </p:cSld>
-  <p:clrMapOvr>
-    <a:masterClrMapping/>
-  </p:clrMapOvr>
-</p:sld>
-</file>
-
-<file path=ppt/slides/slide6.xml><?xml version="1.0" encoding="utf-8"?>
-<p:sld xmlns:a="http://schemas.openxmlformats.org/drawingml/2006/main" xmlns:r="http://schemas.openxmlformats.org/officeDocument/2006/relationships" xmlns:p="http://schemas.openxmlformats.org/presentationml/2006/main">
-  <p:cSld>
-    <p:spTree>
-      <p:nvGrpSpPr>
-        <p:cNvPr id="1" name=""/>
-        <p:cNvGrpSpPr/>
-        <p:nvPr/>
-      </p:nvGrpSpPr>
-      <p:grpSpPr>
-        <a:xfrm>
-          <a:off x="0" y="0"/>
-          <a:ext cx="0" cy="0"/>
-          <a:chOff x="0" y="0"/>
-          <a:chExt cx="0" cy="0"/>
-        </a:xfrm>
-      </p:grpSpPr>
-      <p:sp>
-        <p:nvSpPr>
-          <p:cNvPr id="2" name="標題 1"/>
-          <p:cNvSpPr>
-            <a:spLocks noGrp="1"/>
-          </p:cNvSpPr>
-          <p:nvPr>
-            <p:ph type="title"/>
-          </p:nvPr>
-        </p:nvSpPr>
-        <p:spPr/>
-        <p:txBody>
-          <a:bodyPr>
-            <a:normAutofit/>
-          </a:bodyPr>
-          <a:lstStyle/>
-          <a:p>
-            <a:r>
-              <a:rPr lang="zh-CN" altLang="en-US" b="1" dirty="0" smtClean="0">
-                <a:solidFill>
-                  <a:srgbClr val="000066"/>
-                </a:solidFill>
-                <a:latin typeface="微軟正黑體" pitchFamily="34" charset="-120"/>
-                <a:ea typeface="微軟正黑體" pitchFamily="34" charset="-120"/>
-              </a:rPr>
-              <a:t>聖哉三一</a:t>
-            </a:r>
-            <a:endParaRPr lang="zh-TW" altLang="en-US" b="1" dirty="0">
+              <a:rPr lang="zh-CN" altLang="en-US" sz="4800" b="1" dirty="0">
+                <a:solidFill>
+                  <a:srgbClr val="000066"/>
+                </a:solidFill>
+                <a:latin typeface="微軟正黑體" pitchFamily="34" charset="-120"/>
+                <a:ea typeface="微軟正黑體" pitchFamily="34" charset="-120"/>
+              </a:rPr>
+              <a:t>三位一體</a:t>
+            </a:r>
+            <a:r>
+              <a:rPr lang="zh-CN" altLang="en-US" sz="4800" b="1" dirty="0" smtClean="0">
+                <a:solidFill>
+                  <a:srgbClr val="000066"/>
+                </a:solidFill>
+                <a:latin typeface="微軟正黑體" pitchFamily="34" charset="-120"/>
+                <a:ea typeface="微軟正黑體" pitchFamily="34" charset="-120"/>
+              </a:rPr>
+              <a:t>神</a:t>
+            </a:r>
+            <a:r>
+              <a:rPr lang="zh-TW" altLang="en-US" sz="4800" b="1" dirty="0" smtClean="0">
+                <a:solidFill>
+                  <a:srgbClr val="000066"/>
+                </a:solidFill>
+                <a:latin typeface="微軟正黑體" pitchFamily="34" charset="-120"/>
+                <a:ea typeface="微軟正黑體" pitchFamily="34" charset="-120"/>
+              </a:rPr>
+              <a:t>  </a:t>
+            </a:r>
+            <a:r>
+              <a:rPr lang="zh-CN" altLang="en-US" sz="4800" b="1" dirty="0" smtClean="0">
+                <a:solidFill>
+                  <a:srgbClr val="000066"/>
+                </a:solidFill>
+                <a:latin typeface="微軟正黑體" pitchFamily="34" charset="-120"/>
+                <a:ea typeface="微軟正黑體" pitchFamily="34" charset="-120"/>
+              </a:rPr>
+              <a:t>父</a:t>
+            </a:r>
+            <a:r>
+              <a:rPr lang="zh-CN" altLang="en-US" sz="4800" b="1" dirty="0">
+                <a:solidFill>
+                  <a:srgbClr val="000066"/>
+                </a:solidFill>
+                <a:latin typeface="微軟正黑體" pitchFamily="34" charset="-120"/>
+                <a:ea typeface="微軟正黑體" pitchFamily="34" charset="-120"/>
+              </a:rPr>
+              <a:t>子與聖靈</a:t>
+            </a:r>
+            <a:endParaRPr lang="zh-TW" altLang="en-US" sz="4800" b="1" dirty="0">
               <a:solidFill>
                 <a:srgbClr val="000066"/>
               </a:solidFill>
@@ -3850,69 +4305,11 @@
               <a:ea typeface="微軟正黑體" pitchFamily="34" charset="-120"/>
             </a:endParaRPr>
           </a:p>
-        </p:txBody>
-      </p:sp>
-      <p:sp>
-        <p:nvSpPr>
-          <p:cNvPr id="4" name="內容版面配置區 3"/>
-          <p:cNvSpPr>
-            <a:spLocks noGrp="1"/>
-          </p:cNvSpPr>
-          <p:nvPr>
-            <p:ph idx="1"/>
-          </p:nvPr>
-        </p:nvSpPr>
-        <p:spPr/>
-        <p:txBody>
-          <a:bodyPr>
-            <a:normAutofit/>
-          </a:bodyPr>
-          <a:lstStyle/>
           <a:p>
             <a:pPr algn="ctr">
               <a:buNone/>
             </a:pPr>
-            <a:r>
-              <a:rPr lang="zh-TW" altLang="en-US" sz="5400" b="1" dirty="0">
-                <a:solidFill>
-                  <a:srgbClr val="000066"/>
-                </a:solidFill>
-                <a:latin typeface="微軟正黑體" pitchFamily="34" charset="-120"/>
-                <a:ea typeface="微軟正黑體" pitchFamily="34" charset="-120"/>
-              </a:rPr>
-              <a:t>惟耶和華至聖</a:t>
-            </a:r>
-          </a:p>
-          <a:p>
-            <a:pPr algn="ctr">
-              <a:buNone/>
-            </a:pPr>
-            <a:r>
-              <a:rPr lang="zh-TW" altLang="en-US" sz="5400" b="1" dirty="0">
-                <a:solidFill>
-                  <a:srgbClr val="000066"/>
-                </a:solidFill>
-                <a:latin typeface="微軟正黑體" pitchFamily="34" charset="-120"/>
-                <a:ea typeface="微軟正黑體" pitchFamily="34" charset="-120"/>
-              </a:rPr>
-              <a:t>誰能與主比擬</a:t>
-            </a:r>
-          </a:p>
-          <a:p>
-            <a:pPr algn="ctr">
-              <a:buNone/>
-            </a:pPr>
-            <a:r>
-              <a:rPr lang="zh-CN" altLang="en-US" sz="5400" b="1" dirty="0">
-                <a:solidFill>
-                  <a:srgbClr val="000066"/>
-                </a:solidFill>
-                <a:latin typeface="微軟正黑體" pitchFamily="34" charset="-120"/>
-                <a:ea typeface="微軟正黑體" pitchFamily="34" charset="-120"/>
-              </a:rPr>
-              <a:t>智仁勇全備</a:t>
-            </a:r>
-            <a:endParaRPr lang="zh-TW" altLang="en-US" sz="5400" b="1" dirty="0">
+            <a:endParaRPr lang="zh-TW" altLang="en-US" sz="4800" b="1" dirty="0">
               <a:solidFill>
                 <a:srgbClr val="000066"/>
               </a:solidFill>
@@ -3920,332 +4317,51 @@
               <a:ea typeface="微軟正黑體" pitchFamily="34" charset="-120"/>
             </a:endParaRPr>
           </a:p>
-          <a:p>
-            <a:pPr algn="ctr">
-              <a:buNone/>
-            </a:pPr>
-            <a:r>
-              <a:rPr lang="zh-CN" altLang="en-US" sz="5400" b="1" dirty="0">
-                <a:solidFill>
-                  <a:srgbClr val="000066"/>
-                </a:solidFill>
-                <a:latin typeface="微軟正黑體" pitchFamily="34" charset="-120"/>
-                <a:ea typeface="微軟正黑體" pitchFamily="34" charset="-120"/>
-              </a:rPr>
-              <a:t>大哉天地王</a:t>
-            </a:r>
-            <a:endParaRPr lang="zh-TW" altLang="en-US" sz="5400" b="1" dirty="0">
-              <a:solidFill>
-                <a:srgbClr val="000066"/>
-              </a:solidFill>
-              <a:latin typeface="微軟正黑體" pitchFamily="34" charset="-120"/>
-              <a:ea typeface="微軟正黑體" pitchFamily="34" charset="-120"/>
-            </a:endParaRPr>
-          </a:p>
-        </p:txBody>
-      </p:sp>
-    </p:spTree>
-  </p:cSld>
-  <p:clrMapOvr>
-    <a:masterClrMapping/>
-  </p:clrMapOvr>
-</p:sld>
-</file>
-
-<file path=ppt/slides/slide7.xml><?xml version="1.0" encoding="utf-8"?>
-<p:sld xmlns:a="http://schemas.openxmlformats.org/drawingml/2006/main" xmlns:r="http://schemas.openxmlformats.org/officeDocument/2006/relationships" xmlns:p="http://schemas.openxmlformats.org/presentationml/2006/main">
-  <p:cSld>
-    <p:spTree>
-      <p:nvGrpSpPr>
-        <p:cNvPr id="1" name=""/>
-        <p:cNvGrpSpPr/>
-        <p:nvPr/>
-      </p:nvGrpSpPr>
-      <p:grpSpPr>
-        <a:xfrm>
-          <a:off x="0" y="0"/>
-          <a:ext cx="0" cy="0"/>
-          <a:chOff x="0" y="0"/>
-          <a:chExt cx="0" cy="0"/>
-        </a:xfrm>
-      </p:grpSpPr>
-      <p:sp>
-        <p:nvSpPr>
-          <p:cNvPr id="2" name="標題 1"/>
-          <p:cNvSpPr>
-            <a:spLocks noGrp="1"/>
-          </p:cNvSpPr>
-          <p:nvPr>
-            <p:ph type="title"/>
-          </p:nvPr>
-        </p:nvSpPr>
-        <p:spPr/>
-        <p:txBody>
-          <a:bodyPr>
-            <a:normAutofit/>
+        </p:txBody>
+      </p:sp>
+      <p:sp>
+        <p:nvSpPr>
+          <p:cNvPr id="5" name="TextBox 4"/>
+          <p:cNvSpPr txBox="1"/>
+          <p:nvPr/>
+        </p:nvSpPr>
+        <p:spPr>
+          <a:xfrm>
+            <a:off x="251520" y="1203598"/>
+            <a:ext cx="648072" cy="769441"/>
+          </a:xfrm>
+          <a:prstGeom prst="rect">
+            <a:avLst/>
+          </a:prstGeom>
+          <a:noFill/>
+        </p:spPr>
+        <p:txBody>
+          <a:bodyPr wrap="square" rtlCol="0">
+            <a:spAutoFit/>
           </a:bodyPr>
           <a:lstStyle/>
           <a:p>
             <a:r>
-              <a:rPr lang="zh-CN" altLang="en-US" b="1" dirty="0" smtClean="0">
-                <a:solidFill>
-                  <a:srgbClr val="000066"/>
-                </a:solidFill>
-                <a:latin typeface="微軟正黑體" pitchFamily="34" charset="-120"/>
-                <a:ea typeface="微軟正黑體" pitchFamily="34" charset="-120"/>
-              </a:rPr>
-              <a:t>聖哉三一</a:t>
-            </a:r>
-            <a:endParaRPr lang="zh-TW" altLang="en-US" b="1" dirty="0">
-              <a:solidFill>
-                <a:srgbClr val="000066"/>
-              </a:solidFill>
-              <a:latin typeface="微軟正黑體" pitchFamily="34" charset="-120"/>
-              <a:ea typeface="微軟正黑體" pitchFamily="34" charset="-120"/>
-            </a:endParaRPr>
-          </a:p>
-        </p:txBody>
-      </p:sp>
-      <p:sp>
-        <p:nvSpPr>
-          <p:cNvPr id="4" name="內容版面配置區 3"/>
-          <p:cNvSpPr>
-            <a:spLocks noGrp="1"/>
-          </p:cNvSpPr>
-          <p:nvPr>
-            <p:ph idx="1"/>
-          </p:nvPr>
-        </p:nvSpPr>
-        <p:spPr/>
-        <p:txBody>
-          <a:bodyPr>
-            <a:normAutofit/>
-          </a:bodyPr>
-          <a:lstStyle/>
-          <a:p>
-            <a:pPr algn="ctr">
-              <a:buNone/>
-            </a:pPr>
-            <a:r>
-              <a:rPr lang="zh-TW" altLang="en-US" sz="5400" b="1" dirty="0">
-                <a:solidFill>
-                  <a:srgbClr val="000066"/>
-                </a:solidFill>
-                <a:latin typeface="微軟正黑體" pitchFamily="34" charset="-120"/>
-                <a:ea typeface="微軟正黑體" pitchFamily="34" charset="-120"/>
-              </a:rPr>
-              <a:t>聖哉聖哉聖哉</a:t>
-            </a:r>
-          </a:p>
-          <a:p>
-            <a:pPr algn="ctr">
-              <a:buNone/>
-            </a:pPr>
-            <a:r>
-              <a:rPr lang="zh-TW" altLang="en-US" sz="5400" b="1" dirty="0">
-                <a:solidFill>
-                  <a:srgbClr val="000066"/>
-                </a:solidFill>
-                <a:latin typeface="微軟正黑體" pitchFamily="34" charset="-120"/>
-                <a:ea typeface="微軟正黑體" pitchFamily="34" charset="-120"/>
-              </a:rPr>
-              <a:t>全能大主宰</a:t>
-            </a:r>
-          </a:p>
-          <a:p>
-            <a:pPr algn="ctr">
-              <a:buNone/>
-            </a:pPr>
-            <a:r>
-              <a:rPr lang="zh-TW" altLang="en-US" sz="5400" b="1" dirty="0">
-                <a:solidFill>
-                  <a:srgbClr val="000066"/>
-                </a:solidFill>
-                <a:latin typeface="微軟正黑體" pitchFamily="34" charset="-120"/>
-                <a:ea typeface="微軟正黑體" pitchFamily="34" charset="-120"/>
-              </a:rPr>
-              <a:t>天上地下海中</a:t>
-            </a:r>
-          </a:p>
-          <a:p>
-            <a:pPr algn="ctr">
-              <a:buNone/>
-            </a:pPr>
-            <a:r>
-              <a:rPr lang="zh-TW" altLang="en-US" sz="5400" b="1" dirty="0">
-                <a:solidFill>
-                  <a:srgbClr val="000066"/>
-                </a:solidFill>
-                <a:latin typeface="微軟正黑體" pitchFamily="34" charset="-120"/>
-                <a:ea typeface="微軟正黑體" pitchFamily="34" charset="-120"/>
-              </a:rPr>
-              <a:t>萬物頌主聖</a:t>
-            </a:r>
-            <a:r>
-              <a:rPr lang="zh-TW" altLang="en-US" sz="5400" b="1" dirty="0" smtClean="0">
-                <a:solidFill>
-                  <a:srgbClr val="000066"/>
-                </a:solidFill>
-                <a:latin typeface="微軟正黑體" pitchFamily="34" charset="-120"/>
-                <a:ea typeface="微軟正黑體" pitchFamily="34" charset="-120"/>
-              </a:rPr>
-              <a:t>名</a:t>
-            </a:r>
-            <a:endParaRPr lang="zh-TW" altLang="en-US" sz="5400" b="1" dirty="0">
-              <a:solidFill>
-                <a:srgbClr val="000066"/>
-              </a:solidFill>
-              <a:latin typeface="微軟正黑體" pitchFamily="34" charset="-120"/>
-              <a:ea typeface="微軟正黑體" pitchFamily="34" charset="-120"/>
-            </a:endParaRPr>
-          </a:p>
-        </p:txBody>
-      </p:sp>
-    </p:spTree>
-  </p:cSld>
-  <p:clrMapOvr>
-    <a:masterClrMapping/>
-  </p:clrMapOvr>
-</p:sld>
-</file>
-
-<file path=ppt/slides/slide8.xml><?xml version="1.0" encoding="utf-8"?>
-<p:sld xmlns:a="http://schemas.openxmlformats.org/drawingml/2006/main" xmlns:r="http://schemas.openxmlformats.org/officeDocument/2006/relationships" xmlns:p="http://schemas.openxmlformats.org/presentationml/2006/main">
-  <p:cSld>
-    <p:spTree>
-      <p:nvGrpSpPr>
-        <p:cNvPr id="1" name=""/>
-        <p:cNvGrpSpPr/>
-        <p:nvPr/>
-      </p:nvGrpSpPr>
-      <p:grpSpPr>
-        <a:xfrm>
-          <a:off x="0" y="0"/>
-          <a:ext cx="0" cy="0"/>
-          <a:chOff x="0" y="0"/>
-          <a:chExt cx="0" cy="0"/>
-        </a:xfrm>
-      </p:grpSpPr>
-      <p:sp>
-        <p:nvSpPr>
-          <p:cNvPr id="2" name="標題 1"/>
-          <p:cNvSpPr>
-            <a:spLocks noGrp="1"/>
-          </p:cNvSpPr>
-          <p:nvPr>
-            <p:ph type="title"/>
-          </p:nvPr>
-        </p:nvSpPr>
-        <p:spPr/>
-        <p:txBody>
-          <a:bodyPr>
-            <a:normAutofit/>
-          </a:bodyPr>
-          <a:lstStyle/>
-          <a:p>
-            <a:r>
-              <a:rPr lang="zh-CN" altLang="en-US" b="1" dirty="0" smtClean="0">
-                <a:solidFill>
-                  <a:srgbClr val="000066"/>
-                </a:solidFill>
-                <a:latin typeface="微軟正黑體" pitchFamily="34" charset="-120"/>
-                <a:ea typeface="微軟正黑體" pitchFamily="34" charset="-120"/>
-              </a:rPr>
-              <a:t>聖哉三一</a:t>
-            </a:r>
-            <a:endParaRPr lang="zh-TW" altLang="en-US" b="1" dirty="0">
-              <a:solidFill>
-                <a:srgbClr val="000066"/>
-              </a:solidFill>
-              <a:latin typeface="微軟正黑體" pitchFamily="34" charset="-120"/>
-              <a:ea typeface="微軟正黑體" pitchFamily="34" charset="-120"/>
-            </a:endParaRPr>
-          </a:p>
-        </p:txBody>
-      </p:sp>
-      <p:sp>
-        <p:nvSpPr>
-          <p:cNvPr id="4" name="內容版面配置區 3"/>
-          <p:cNvSpPr>
-            <a:spLocks noGrp="1"/>
-          </p:cNvSpPr>
-          <p:nvPr>
-            <p:ph idx="1"/>
-          </p:nvPr>
-        </p:nvSpPr>
-        <p:spPr/>
-        <p:txBody>
-          <a:bodyPr>
-            <a:normAutofit/>
-          </a:bodyPr>
-          <a:lstStyle/>
-          <a:p>
-            <a:pPr algn="ctr">
-              <a:buNone/>
-            </a:pPr>
-            <a:r>
-              <a:rPr lang="zh-TW" altLang="en-US" sz="5400" b="1" dirty="0">
-                <a:solidFill>
-                  <a:srgbClr val="000066"/>
-                </a:solidFill>
-                <a:latin typeface="微軟正黑體" pitchFamily="34" charset="-120"/>
-                <a:ea typeface="微軟正黑體" pitchFamily="34" charset="-120"/>
-              </a:rPr>
-              <a:t>聖哉聖哉聖哉</a:t>
-            </a:r>
-          </a:p>
-          <a:p>
-            <a:pPr algn="ctr">
-              <a:buNone/>
-            </a:pPr>
-            <a:r>
-              <a:rPr lang="zh-TW" altLang="en-US" sz="5400" b="1" dirty="0">
-                <a:solidFill>
-                  <a:srgbClr val="000066"/>
-                </a:solidFill>
-                <a:latin typeface="微軟正黑體" pitchFamily="34" charset="-120"/>
-                <a:ea typeface="微軟正黑體" pitchFamily="34" charset="-120"/>
-              </a:rPr>
-              <a:t>恩慈永無更改</a:t>
-            </a:r>
-          </a:p>
-          <a:p>
-            <a:pPr algn="ctr">
-              <a:buNone/>
-            </a:pPr>
-            <a:r>
-              <a:rPr lang="zh-CN" altLang="en-US" sz="5400" b="1" dirty="0">
-                <a:solidFill>
-                  <a:srgbClr val="000066"/>
-                </a:solidFill>
-                <a:latin typeface="微軟正黑體" pitchFamily="34" charset="-120"/>
-                <a:ea typeface="微軟正黑體" pitchFamily="34" charset="-120"/>
-              </a:rPr>
-              <a:t>三位一體神</a:t>
-            </a:r>
-            <a:endParaRPr lang="zh-TW" altLang="en-US" sz="5400" b="1" dirty="0">
-              <a:solidFill>
-                <a:srgbClr val="000066"/>
-              </a:solidFill>
-              <a:latin typeface="微軟正黑體" pitchFamily="34" charset="-120"/>
-              <a:ea typeface="微軟正黑體" pitchFamily="34" charset="-120"/>
-            </a:endParaRPr>
-          </a:p>
-          <a:p>
-            <a:pPr algn="ctr">
-              <a:buNone/>
-            </a:pPr>
-            <a:r>
-              <a:rPr lang="zh-CN" altLang="en-US" sz="5400" b="1" dirty="0">
-                <a:solidFill>
-                  <a:srgbClr val="000066"/>
-                </a:solidFill>
-                <a:latin typeface="微軟正黑體" pitchFamily="34" charset="-120"/>
-                <a:ea typeface="微軟正黑體" pitchFamily="34" charset="-120"/>
-              </a:rPr>
-              <a:t>父子與聖靈</a:t>
-            </a:r>
-            <a:endParaRPr lang="zh-TW" altLang="en-US" sz="5400" b="1" dirty="0">
+              <a:rPr lang="en-US" altLang="zh-CN" sz="4400" b="1" dirty="0">
+                <a:solidFill>
+                  <a:srgbClr val="000066"/>
+                </a:solidFill>
+                <a:latin typeface="微軟正黑體" pitchFamily="34" charset="-120"/>
+                <a:ea typeface="微軟正黑體" pitchFamily="34" charset="-120"/>
+              </a:rPr>
+              <a:t>4</a:t>
+            </a:r>
+            <a:r>
+              <a:rPr lang="en-US" altLang="zh-CN" sz="4400" b="1" dirty="0" smtClean="0">
+                <a:solidFill>
+                  <a:srgbClr val="000066"/>
+                </a:solidFill>
+                <a:latin typeface="微軟正黑體" pitchFamily="34" charset="-120"/>
+                <a:ea typeface="微軟正黑體" pitchFamily="34" charset="-120"/>
+              </a:rPr>
+              <a:t>.</a:t>
+            </a:r>
+            <a:endParaRPr lang="en-US" sz="4400" b="1" dirty="0">
               <a:solidFill>
                 <a:srgbClr val="000066"/>
               </a:solidFill>
